--- a/nielsene_presentation.pptx
+++ b/nielsene_presentation.pptx
@@ -206,7 +206,7 @@
           <a:p>
             <a:fld id="{375287BF-E66C-497D-814B-7A1F186A28F8}" type="datetimeFigureOut">
               <a:rPr lang="en-US" smtClean="0"/>
-              <a:t>6/3/2014</a:t>
+              <a:t>6/4/2014</a:t>
             </a:fld>
             <a:endParaRPr lang="en-US"/>
           </a:p>
@@ -1570,11 +1570,7 @@
             </a:r>
             <a:r>
               <a:rPr lang="en-US" baseline="0" dirty="0" smtClean="0"/>
-              <a:t> work, minus all the </a:t>
-            </a:r>
-            <a:r>
-              <a:rPr lang="en-US" baseline="0" dirty="0" smtClean="0"/>
-              <a:t>detail</a:t>
+              <a:t> work, minus all the detail</a:t>
             </a:r>
             <a:endParaRPr lang="en-US" dirty="0" smtClean="0"/>
           </a:p>
@@ -3599,7 +3595,7 @@
           <a:p>
             <a:fld id="{010FA3FB-11F7-4FB6-B67C-B9A58FE4EE78}" type="datetimeFigureOut">
               <a:rPr lang="en-US" smtClean="0"/>
-              <a:t>6/3/2014</a:t>
+              <a:t>6/4/2014</a:t>
             </a:fld>
             <a:endParaRPr lang="en-US"/>
           </a:p>
@@ -3780,7 +3776,7 @@
           <a:p>
             <a:fld id="{010FA3FB-11F7-4FB6-B67C-B9A58FE4EE78}" type="datetimeFigureOut">
               <a:rPr lang="en-US" smtClean="0"/>
-              <a:t>6/3/2014</a:t>
+              <a:t>6/4/2014</a:t>
             </a:fld>
             <a:endParaRPr lang="en-US"/>
           </a:p>
@@ -3931,7 +3927,7 @@
           <a:p>
             <a:fld id="{010FA3FB-11F7-4FB6-B67C-B9A58FE4EE78}" type="datetimeFigureOut">
               <a:rPr lang="en-US" smtClean="0"/>
-              <a:t>6/3/2014</a:t>
+              <a:t>6/4/2014</a:t>
             </a:fld>
             <a:endParaRPr lang="en-US"/>
           </a:p>
@@ -5757,7 +5753,7 @@
           <a:p>
             <a:fld id="{010FA3FB-11F7-4FB6-B67C-B9A58FE4EE78}" type="datetimeFigureOut">
               <a:rPr lang="en-US" smtClean="0"/>
-              <a:t>6/3/2014</a:t>
+              <a:t>6/4/2014</a:t>
             </a:fld>
             <a:endParaRPr lang="en-US"/>
           </a:p>
@@ -7627,7 +7623,7 @@
           <a:p>
             <a:fld id="{010FA3FB-11F7-4FB6-B67C-B9A58FE4EE78}" type="datetimeFigureOut">
               <a:rPr lang="en-US" smtClean="0"/>
-              <a:t>6/3/2014</a:t>
+              <a:t>6/4/2014</a:t>
             </a:fld>
             <a:endParaRPr lang="en-US"/>
           </a:p>
@@ -7740,7 +7736,7 @@
           <a:p>
             <a:fld id="{010FA3FB-11F7-4FB6-B67C-B9A58FE4EE78}" type="datetimeFigureOut">
               <a:rPr lang="en-US" smtClean="0"/>
-              <a:t>6/3/2014</a:t>
+              <a:t>6/4/2014</a:t>
             </a:fld>
             <a:endParaRPr lang="en-US"/>
           </a:p>
@@ -8281,7 +8277,7 @@
           <a:p>
             <a:fld id="{010FA3FB-11F7-4FB6-B67C-B9A58FE4EE78}" type="datetimeFigureOut">
               <a:rPr lang="en-US" smtClean="0"/>
-              <a:t>6/3/2014</a:t>
+              <a:t>6/4/2014</a:t>
             </a:fld>
             <a:endParaRPr lang="en-US"/>
           </a:p>
@@ -8394,7 +8390,7 @@
           <a:p>
             <a:fld id="{010FA3FB-11F7-4FB6-B67C-B9A58FE4EE78}" type="datetimeFigureOut">
               <a:rPr lang="en-US" smtClean="0"/>
-              <a:t>6/3/2014</a:t>
+              <a:t>6/4/2014</a:t>
             </a:fld>
             <a:endParaRPr lang="en-US"/>
           </a:p>
@@ -10105,7 +10101,7 @@
           <a:p>
             <a:fld id="{010FA3FB-11F7-4FB6-B67C-B9A58FE4EE78}" type="datetimeFigureOut">
               <a:rPr lang="en-US" smtClean="0"/>
-              <a:t>6/3/2014</a:t>
+              <a:t>6/4/2014</a:t>
             </a:fld>
             <a:endParaRPr lang="en-US"/>
           </a:p>
@@ -10256,7 +10252,7 @@
           <a:p>
             <a:fld id="{010FA3FB-11F7-4FB6-B67C-B9A58FE4EE78}" type="datetimeFigureOut">
               <a:rPr lang="en-US" smtClean="0"/>
-              <a:t>6/3/2014</a:t>
+              <a:t>6/4/2014</a:t>
             </a:fld>
             <a:endParaRPr lang="en-US"/>
           </a:p>
@@ -13871,7 +13867,7 @@
           <a:p>
             <a:fld id="{010FA3FB-11F7-4FB6-B67C-B9A58FE4EE78}" type="datetimeFigureOut">
               <a:rPr lang="en-US" smtClean="0"/>
-              <a:t>6/3/2014</a:t>
+              <a:t>6/4/2014</a:t>
             </a:fld>
             <a:endParaRPr lang="en-US"/>
           </a:p>
@@ -15730,7 +15726,7 @@
           <a:p>
             <a:fld id="{010FA3FB-11F7-4FB6-B67C-B9A58FE4EE78}" type="datetimeFigureOut">
               <a:rPr lang="en-US" smtClean="0"/>
-              <a:t>6/3/2014</a:t>
+              <a:t>6/4/2014</a:t>
             </a:fld>
             <a:endParaRPr lang="en-US"/>
           </a:p>
@@ -16871,19 +16867,17 @@
             </a:pPr>
             <a:r>
               <a:rPr lang="en-US" dirty="0" smtClean="0"/>
-              <a:t>Storage format and location</a:t>
+              <a:t>Storage format </a:t>
             </a:r>
-          </a:p>
-          <a:p>
-            <a:pPr>
-              <a:lnSpc>
-                <a:spcPct val="200000"/>
-              </a:lnSpc>
-            </a:pPr>
             <a:r>
-              <a:rPr lang="en-US" dirty="0" smtClean="0"/>
-              <a:t>Retrieval of candidacy list</a:t>
+              <a:rPr lang="en-US" smtClean="0"/>
+              <a:t>and </a:t>
             </a:r>
+            <a:r>
+              <a:rPr lang="en-US" smtClean="0"/>
+              <a:t>location</a:t>
+            </a:r>
+            <a:endParaRPr lang="en-US" dirty="0" smtClean="0"/>
           </a:p>
         </p:txBody>
       </p:sp>
@@ -17180,15 +17174,7 @@
             </a:pPr>
             <a:r>
               <a:rPr lang="en-US" dirty="0" smtClean="0"/>
-              <a:t>Reducing the wireless </a:t>
-            </a:r>
-            <a:r>
-              <a:rPr lang="en-US" dirty="0" smtClean="0"/>
-              <a:t>scanning time </a:t>
-            </a:r>
-            <a:r>
-              <a:rPr lang="en-US" dirty="0" smtClean="0"/>
-              <a:t>with the use of an access point (AP) candidacy list.</a:t>
+              <a:t>Reducing the wireless scanning time with the use of an access point (AP) candidacy list.</a:t>
             </a:r>
             <a:endParaRPr lang="en-US" dirty="0"/>
           </a:p>
@@ -17375,13 +17361,8 @@
             </a:pPr>
             <a:r>
               <a:rPr lang="en-US" dirty="0" smtClean="0"/>
-              <a:t>Facilitate connection without </a:t>
+              <a:t>Facilitate connection without scanning.</a:t>
             </a:r>
-            <a:r>
-              <a:rPr lang="en-US" dirty="0" smtClean="0"/>
-              <a:t>scanning.</a:t>
-            </a:r>
-            <a:endParaRPr lang="en-US" dirty="0" smtClean="0"/>
           </a:p>
           <a:p>
             <a:pPr>
@@ -17391,11 +17372,7 @@
             </a:pPr>
             <a:r>
               <a:rPr lang="en-US" dirty="0" smtClean="0"/>
-              <a:t>Decrease time spent on </a:t>
-            </a:r>
-            <a:r>
-              <a:rPr lang="en-US" dirty="0" smtClean="0"/>
-              <a:t>scanning.</a:t>
+              <a:t>Decrease time spent on scanning.</a:t>
             </a:r>
             <a:endParaRPr lang="en-US" dirty="0"/>
           </a:p>
@@ -17483,15 +17460,7 @@
             </a:pPr>
             <a:r>
               <a:rPr lang="en-US" dirty="0" smtClean="0"/>
-              <a:t>To reduce wireless </a:t>
-            </a:r>
-            <a:r>
-              <a:rPr lang="en-US" dirty="0" smtClean="0"/>
-              <a:t>scanning time</a:t>
-            </a:r>
-            <a:r>
-              <a:rPr lang="en-US" dirty="0" smtClean="0"/>
-              <a:t>.</a:t>
+              <a:t>To reduce wireless scanning time.</a:t>
             </a:r>
           </a:p>
           <a:p>
@@ -17884,11 +17853,7 @@
             </a:pPr>
             <a:r>
               <a:rPr lang="en-US" dirty="0" smtClean="0"/>
-              <a:t>Learned </a:t>
-            </a:r>
-            <a:r>
-              <a:rPr lang="en-US" dirty="0" smtClean="0"/>
-              <a:t>how candidacy list can be generated.</a:t>
+              <a:t>Learned how candidacy list can be generated.</a:t>
             </a:r>
             <a:endParaRPr lang="en-US" dirty="0"/>
           </a:p>
